--- a/Présentation/Présentation_orale.pptx
+++ b/Présentation/Présentation_orale.pptx
@@ -5,10 +5,10 @@
     <p:sldMasterId id="2147483684" r:id="rId1"/>
   </p:sldMasterIdLst>
   <p:notesMasterIdLst>
-    <p:notesMasterId r:id="rId12"/>
+    <p:notesMasterId r:id="rId11"/>
   </p:notesMasterIdLst>
   <p:handoutMasterIdLst>
-    <p:handoutMasterId r:id="rId13"/>
+    <p:handoutMasterId r:id="rId12"/>
   </p:handoutMasterIdLst>
   <p:sldIdLst>
     <p:sldId id="261" r:id="rId2"/>
@@ -19,8 +19,7 @@
     <p:sldId id="267" r:id="rId7"/>
     <p:sldId id="259" r:id="rId8"/>
     <p:sldId id="260" r:id="rId9"/>
-    <p:sldId id="263" r:id="rId10"/>
-    <p:sldId id="266" r:id="rId11"/>
+    <p:sldId id="266" r:id="rId10"/>
   </p:sldIdLst>
   <p:sldSz cx="12192000" cy="6858000"/>
   <p:notesSz cx="6858000" cy="9144000"/>
@@ -4708,295 +4707,6 @@
 </p:sld>
 </file>
 
-<file path=ppt/slides/slide10.xml><?xml version="1.0" encoding="utf-8"?>
-<p:sld xmlns:a="http://schemas.openxmlformats.org/drawingml/2006/main" xmlns:r="http://schemas.openxmlformats.org/officeDocument/2006/relationships" xmlns:p="http://schemas.openxmlformats.org/presentationml/2006/main">
-  <p:cSld>
-    <p:spTree>
-      <p:nvGrpSpPr>
-        <p:cNvPr id="1" name=""/>
-        <p:cNvGrpSpPr/>
-        <p:nvPr/>
-      </p:nvGrpSpPr>
-      <p:grpSpPr>
-        <a:xfrm>
-          <a:off x="0" y="0"/>
-          <a:ext cx="0" cy="0"/>
-          <a:chOff x="0" y="0"/>
-          <a:chExt cx="0" cy="0"/>
-        </a:xfrm>
-      </p:grpSpPr>
-      <p:sp>
-        <p:nvSpPr>
-          <p:cNvPr id="3" name="Espace réservé du contenu 2"/>
-          <p:cNvSpPr>
-            <a:spLocks noGrp="1"/>
-          </p:cNvSpPr>
-          <p:nvPr>
-            <p:ph idx="1"/>
-          </p:nvPr>
-        </p:nvSpPr>
-        <p:spPr>
-          <a:xfrm>
-            <a:off x="838200" y="2419076"/>
-            <a:ext cx="10515600" cy="3087644"/>
-          </a:xfrm>
-        </p:spPr>
-        <p:txBody>
-          <a:bodyPr>
-            <a:noAutofit/>
-          </a:bodyPr>
-          <a:lstStyle/>
-          <a:p>
-            <a:pPr>
-              <a:buClrTx/>
-              <a:buFont typeface="Arial" panose="020B0604020202020204" pitchFamily="34" charset="0"/>
-              <a:buChar char="•"/>
-            </a:pPr>
-            <a:r>
-              <a:rPr lang="fr-FR" sz="2800" dirty="0">
-                <a:latin typeface="Proxima Nova"/>
-              </a:rPr>
-              <a:t>#une hausse de la population de un million d'habitants va entrainer une baisse de l'EQI normalise de 0.41 point</a:t>
-            </a:r>
-          </a:p>
-          <a:p>
-            <a:pPr>
-              <a:buClrTx/>
-              <a:buFont typeface="Arial" panose="020B0604020202020204" pitchFamily="34" charset="0"/>
-              <a:buChar char="•"/>
-            </a:pPr>
-            <a:r>
-              <a:rPr lang="fr-FR" sz="2800" dirty="0">
-                <a:latin typeface="Proxima Nova"/>
-              </a:rPr>
-              <a:t>#une hausse des revenus des menages de 1000 euros va entrainer une hausse de l'EQI normalisé de 1.36 point</a:t>
-            </a:r>
-          </a:p>
-          <a:p>
-            <a:pPr>
-              <a:buClrTx/>
-              <a:buFont typeface="Arial" panose="020B0604020202020204" pitchFamily="34" charset="0"/>
-              <a:buChar char="•"/>
-            </a:pPr>
-            <a:r>
-              <a:rPr lang="fr-FR" sz="2800" dirty="0">
-                <a:latin typeface="Proxima Nova"/>
-              </a:rPr>
-              <a:t>#une hausse du taux d'emploi des 15-34 ans de 1 point de % va entrainer une hausse de l'EQI normalisé de 0.87 point</a:t>
-            </a:r>
-          </a:p>
-        </p:txBody>
-      </p:sp>
-      <p:sp>
-        <p:nvSpPr>
-          <p:cNvPr id="6" name="Espace réservé du numéro de diapositive 5"/>
-          <p:cNvSpPr>
-            <a:spLocks noGrp="1"/>
-          </p:cNvSpPr>
-          <p:nvPr>
-            <p:ph type="sldNum" sz="quarter" idx="12"/>
-          </p:nvPr>
-        </p:nvSpPr>
-        <p:spPr/>
-        <p:txBody>
-          <a:bodyPr/>
-          <a:lstStyle/>
-          <a:p>
-            <a:fld id="{123087A0-FE7B-4D93-8CF6-C17C97F4321A}" type="slidenum">
-              <a:rPr lang="fr-FR" smtClean="0"/>
-              <a:t>10</a:t>
-            </a:fld>
-            <a:endParaRPr lang="fr-FR"/>
-          </a:p>
-        </p:txBody>
-      </p:sp>
-      <p:sp>
-        <p:nvSpPr>
-          <p:cNvPr id="7" name="Titre 1"/>
-          <p:cNvSpPr txBox="1">
-            <a:spLocks/>
-          </p:cNvSpPr>
-          <p:nvPr/>
-        </p:nvSpPr>
-        <p:spPr>
-          <a:xfrm>
-            <a:off x="1524000" y="1179555"/>
-            <a:ext cx="9144000" cy="659427"/>
-          </a:xfrm>
-          <a:prstGeom prst="rect">
-            <a:avLst/>
-          </a:prstGeom>
-        </p:spPr>
-        <p:txBody>
-          <a:bodyPr vert="horz" lIns="91440" tIns="45720" rIns="91440" bIns="45720" rtlCol="0" anchor="b">
-            <a:noAutofit/>
-          </a:bodyPr>
-          <a:lstStyle>
-            <a:lvl1pPr algn="ctr" defTabSz="914400" rtl="0" eaLnBrk="1" latinLnBrk="0" hangingPunct="1">
-              <a:lnSpc>
-                <a:spcPct val="90000"/>
-              </a:lnSpc>
-              <a:spcBef>
-                <a:spcPct val="0"/>
-              </a:spcBef>
-              <a:buNone/>
-              <a:defRPr sz="6000" kern="1200">
-                <a:solidFill>
-                  <a:schemeClr val="tx1"/>
-                </a:solidFill>
-                <a:latin typeface="+mj-lt"/>
-                <a:ea typeface="+mj-ea"/>
-                <a:cs typeface="+mj-cs"/>
-              </a:defRPr>
-            </a:lvl1pPr>
-          </a:lstStyle>
-          <a:p>
-            <a:r>
-              <a:rPr lang="fr-FR" sz="4000" b="1" dirty="0">
-                <a:latin typeface="+mn-lt"/>
-              </a:rPr>
-              <a:t>RESULTATS</a:t>
-            </a:r>
-          </a:p>
-        </p:txBody>
-      </p:sp>
-      <p:pic>
-        <p:nvPicPr>
-          <p:cNvPr id="8" name="Picture 2">
-            <a:extLst>
-              <a:ext uri="{FF2B5EF4-FFF2-40B4-BE49-F238E27FC236}">
-                <a16:creationId xmlns:a16="http://schemas.microsoft.com/office/drawing/2014/main" id="{A4690988-FD40-EE4A-901A-7F408B3AA76B}"/>
-              </a:ext>
-            </a:extLst>
-          </p:cNvPr>
-          <p:cNvPicPr>
-            <a:picLocks noChangeAspect="1" noChangeArrowheads="1"/>
-          </p:cNvPicPr>
-          <p:nvPr/>
-        </p:nvPicPr>
-        <p:blipFill rotWithShape="1">
-          <a:blip r:embed="rId2">
-            <a:extLst>
-              <a:ext uri="{28A0092B-C50C-407E-A947-70E740481C1C}">
-                <a14:useLocalDpi xmlns:a14="http://schemas.microsoft.com/office/drawing/2010/main" val="0"/>
-              </a:ext>
-            </a:extLst>
-          </a:blip>
-          <a:srcRect t="11278" b="17294"/>
-          <a:stretch/>
-        </p:blipFill>
-        <p:spPr bwMode="auto">
-          <a:xfrm>
-            <a:off x="0" y="113886"/>
-            <a:ext cx="2170535" cy="723512"/>
-          </a:xfrm>
-          <a:prstGeom prst="rect">
-            <a:avLst/>
-          </a:prstGeom>
-          <a:noFill/>
-          <a:extLst>
-            <a:ext uri="{909E8E84-426E-40DD-AFC4-6F175D3DCCD1}">
-              <a14:hiddenFill xmlns:a14="http://schemas.microsoft.com/office/drawing/2010/main">
-                <a:solidFill>
-                  <a:srgbClr val="FFFFFF"/>
-                </a:solidFill>
-              </a14:hiddenFill>
-            </a:ext>
-          </a:extLst>
-        </p:spPr>
-      </p:pic>
-      <p:sp>
-        <p:nvSpPr>
-          <p:cNvPr id="2" name="Espace réservé du pied de page 4">
-            <a:extLst>
-              <a:ext uri="{FF2B5EF4-FFF2-40B4-BE49-F238E27FC236}">
-                <a16:creationId xmlns:a16="http://schemas.microsoft.com/office/drawing/2014/main" id="{9D71827C-6B4F-777A-49BC-F783C81A0610}"/>
-              </a:ext>
-            </a:extLst>
-          </p:cNvPr>
-          <p:cNvSpPr>
-            <a:spLocks noGrp="1"/>
-          </p:cNvSpPr>
-          <p:nvPr>
-            <p:ph type="ftr" sz="quarter" idx="11"/>
-          </p:nvPr>
-        </p:nvSpPr>
-        <p:spPr>
-          <a:xfrm>
-            <a:off x="3702227" y="6459785"/>
-            <a:ext cx="4822804" cy="365125"/>
-          </a:xfrm>
-        </p:spPr>
-        <p:txBody>
-          <a:bodyPr/>
-          <a:lstStyle/>
-          <a:p>
-            <a:r>
-              <a:rPr lang="fr-FR" dirty="0"/>
-              <a:t>Elisa floch / Maël </a:t>
-            </a:r>
-            <a:r>
-              <a:rPr lang="fr-FR" dirty="0" err="1"/>
-              <a:t>Mandard</a:t>
-            </a:r>
-            <a:r>
-              <a:rPr lang="fr-FR" dirty="0"/>
-              <a:t> / Ewen Le </a:t>
-            </a:r>
-            <a:r>
-              <a:rPr lang="fr-FR" dirty="0" err="1"/>
-              <a:t>Cunff</a:t>
-            </a:r>
-            <a:endParaRPr lang="fr-FR" dirty="0"/>
-          </a:p>
-        </p:txBody>
-      </p:sp>
-      <p:sp>
-        <p:nvSpPr>
-          <p:cNvPr id="9" name="Espace réservé de la date 3">
-            <a:extLst>
-              <a:ext uri="{FF2B5EF4-FFF2-40B4-BE49-F238E27FC236}">
-                <a16:creationId xmlns:a16="http://schemas.microsoft.com/office/drawing/2014/main" id="{0506D0DB-6778-57B3-0AEE-0FF7D1B517CC}"/>
-              </a:ext>
-            </a:extLst>
-          </p:cNvPr>
-          <p:cNvSpPr>
-            <a:spLocks noGrp="1"/>
-          </p:cNvSpPr>
-          <p:nvPr>
-            <p:ph type="dt" sz="half" idx="10"/>
-          </p:nvPr>
-        </p:nvSpPr>
-        <p:spPr>
-          <a:xfrm>
-            <a:off x="1097280" y="6459785"/>
-            <a:ext cx="2472271" cy="365125"/>
-          </a:xfrm>
-        </p:spPr>
-        <p:txBody>
-          <a:bodyPr/>
-          <a:lstStyle/>
-          <a:p>
-            <a:r>
-              <a:rPr lang="fr-FR" dirty="0"/>
-              <a:t>23/02/2023</a:t>
-            </a:r>
-          </a:p>
-        </p:txBody>
-      </p:sp>
-    </p:spTree>
-    <p:extLst>
-      <p:ext uri="{BB962C8B-B14F-4D97-AF65-F5344CB8AC3E}">
-        <p14:creationId xmlns:p14="http://schemas.microsoft.com/office/powerpoint/2010/main" val="316602582"/>
-      </p:ext>
-    </p:extLst>
-  </p:cSld>
-  <p:clrMapOvr>
-    <a:masterClrMapping/>
-  </p:clrMapOvr>
-</p:sld>
-</file>
-
 <file path=ppt/slides/slide2.xml><?xml version="1.0" encoding="utf-8"?>
 <p:sld xmlns:a="http://schemas.openxmlformats.org/drawingml/2006/main" xmlns:r="http://schemas.openxmlformats.org/officeDocument/2006/relationships" xmlns:p="http://schemas.openxmlformats.org/presentationml/2006/main">
   <p:cSld>
@@ -5035,8 +4745,9 @@
           <a:bodyPr/>
           <a:lstStyle/>
           <a:p>
-            <a:r>
-              <a:rPr lang="fr-FR" b="1" dirty="0">
+            <a:pPr algn="ctr"/>
+            <a:r>
+              <a:rPr lang="fr-FR" sz="4400" b="1" dirty="0">
                 <a:solidFill>
                   <a:schemeClr val="tx1"/>
                 </a:solidFill>
@@ -5044,6 +4755,12 @@
               </a:rPr>
               <a:t>PROBLEMATIQUE</a:t>
             </a:r>
+            <a:endParaRPr lang="fr-FR" b="1" dirty="0">
+              <a:solidFill>
+                <a:schemeClr val="tx1"/>
+              </a:solidFill>
+              <a:latin typeface="Proxima Nova"/>
+            </a:endParaRPr>
           </a:p>
         </p:txBody>
       </p:sp>
@@ -5316,7 +5033,7 @@
           <a:lstStyle/>
           <a:p>
             <a:r>
-              <a:rPr lang="fr-FR" b="1" dirty="0">
+              <a:rPr lang="fr-FR" sz="4400" b="1" dirty="0">
                 <a:solidFill>
                   <a:schemeClr val="tx1"/>
                 </a:solidFill>
@@ -5324,6 +5041,12 @@
               </a:rPr>
               <a:t>CONTEXTE</a:t>
             </a:r>
+            <a:endParaRPr lang="fr-FR" b="1" dirty="0">
+              <a:solidFill>
+                <a:schemeClr val="tx1"/>
+              </a:solidFill>
+              <a:latin typeface="Proxima Nova"/>
+            </a:endParaRPr>
           </a:p>
         </p:txBody>
       </p:sp>
@@ -5418,7 +5141,7 @@
         <p:spPr>
           <a:xfrm>
             <a:off x="498325" y="2359476"/>
-            <a:ext cx="4953000" cy="2441694"/>
+            <a:ext cx="4953000" cy="2964914"/>
           </a:xfrm>
           <a:prstGeom prst="rect">
             <a:avLst/>
@@ -5440,54 +5163,54 @@
               </a:spcAft>
             </a:pPr>
             <a:r>
-              <a:rPr lang="fr-FR" sz="1800" b="1" i="0" u="none" strike="noStrike" dirty="0">
+              <a:rPr lang="fr-FR" sz="2000" b="1" i="0" u="none" strike="noStrike" dirty="0">
                 <a:effectLst/>
               </a:rPr>
               <a:t>EQI </a:t>
             </a:r>
             <a:r>
-              <a:rPr lang="fr-FR" sz="1800" b="0" i="0" u="none" strike="noStrike" dirty="0">
+              <a:rPr lang="fr-FR" sz="2000" b="0" i="0" u="none" strike="noStrike" dirty="0">
                 <a:effectLst/>
               </a:rPr>
               <a:t>: </a:t>
             </a:r>
             <a:r>
-              <a:rPr lang="fr-FR" sz="1800" b="0" i="0" u="none" strike="noStrike" dirty="0" err="1">
+              <a:rPr lang="fr-FR" sz="2000" b="0" i="0" u="none" strike="noStrike" dirty="0" err="1">
                 <a:effectLst/>
               </a:rPr>
               <a:t>European</a:t>
             </a:r>
             <a:r>
-              <a:rPr lang="fr-FR" sz="1800" b="0" i="0" u="none" strike="noStrike" dirty="0">
+              <a:rPr lang="fr-FR" sz="2000" b="0" i="0" u="none" strike="noStrike" dirty="0">
                 <a:effectLst/>
               </a:rPr>
               <a:t> </a:t>
             </a:r>
             <a:r>
-              <a:rPr lang="fr-FR" sz="1800" b="0" i="0" u="none" strike="noStrike" dirty="0" err="1">
+              <a:rPr lang="fr-FR" sz="2000" b="0" i="0" u="none" strike="noStrike" dirty="0" err="1">
                 <a:effectLst/>
               </a:rPr>
               <a:t>Quality</a:t>
             </a:r>
             <a:r>
-              <a:rPr lang="fr-FR" sz="1800" b="0" i="0" u="none" strike="noStrike" dirty="0">
+              <a:rPr lang="fr-FR" sz="2000" b="0" i="0" u="none" strike="noStrike" dirty="0">
                 <a:effectLst/>
               </a:rPr>
               <a:t> of </a:t>
             </a:r>
             <a:r>
-              <a:rPr lang="fr-FR" sz="1800" b="0" i="0" u="none" strike="noStrike" dirty="0" err="1">
+              <a:rPr lang="fr-FR" sz="2000" b="0" i="0" u="none" strike="noStrike" dirty="0" err="1">
                 <a:effectLst/>
               </a:rPr>
               <a:t>government</a:t>
             </a:r>
             <a:r>
-              <a:rPr lang="fr-FR" sz="1800" b="0" i="0" u="none" strike="noStrike" dirty="0">
+              <a:rPr lang="fr-FR" sz="2000" b="0" i="0" u="none" strike="noStrike" dirty="0">
                 <a:effectLst/>
               </a:rPr>
               <a:t> Index </a:t>
             </a:r>
-            <a:endParaRPr lang="fr-FR" b="0" dirty="0">
+            <a:endParaRPr lang="fr-FR" sz="2000" b="0" dirty="0">
               <a:effectLst/>
             </a:endParaRPr>
           </a:p>
@@ -5501,16 +5224,16 @@
               </a:spcAft>
             </a:pPr>
             <a:r>
-              <a:rPr lang="fr-FR" dirty="0"/>
+              <a:rPr lang="fr-FR" sz="2000" dirty="0"/>
               <a:t>L’EQI est un </a:t>
             </a:r>
             <a:r>
-              <a:rPr lang="fr-FR" sz="1800" b="0" i="0" u="none" strike="noStrike" dirty="0">
+              <a:rPr lang="fr-FR" sz="2000" b="0" i="0" u="none" strike="noStrike" dirty="0">
                 <a:effectLst/>
               </a:rPr>
               <a:t>niveau de gouvernance régional se basant sur les 4 dimensions de la gouvernance : </a:t>
             </a:r>
-            <a:endParaRPr lang="fr-FR" b="0" dirty="0">
+            <a:endParaRPr lang="fr-FR" sz="2000" b="0" dirty="0">
               <a:effectLst/>
             </a:endParaRPr>
           </a:p>
@@ -5526,7 +5249,7 @@
               <a:buChar char="•"/>
             </a:pPr>
             <a:r>
-              <a:rPr lang="fr-FR" sz="1800" b="0" i="0" u="none" strike="noStrike" dirty="0">
+              <a:rPr lang="fr-FR" sz="2000" b="0" i="0" u="none" strike="noStrike" dirty="0">
                 <a:effectLst/>
               </a:rPr>
               <a:t>Qualité des politiques</a:t>
@@ -5544,12 +5267,12 @@
               <a:buChar char="•"/>
             </a:pPr>
             <a:r>
-              <a:rPr lang="fr-FR" sz="1800" b="0" i="0" u="none" strike="noStrike" dirty="0">
+              <a:rPr lang="fr-FR" sz="2000" b="0" i="0" u="none" strike="noStrike" dirty="0">
                 <a:effectLst/>
               </a:rPr>
               <a:t>Impartialité</a:t>
             </a:r>
-            <a:endParaRPr lang="fr-FR" dirty="0"/>
+            <a:endParaRPr lang="fr-FR" sz="2000" dirty="0"/>
           </a:p>
           <a:p>
             <a:pPr marL="285750" indent="-285750" rtl="0" fontAlgn="base">
@@ -5563,7 +5286,7 @@
               <a:buChar char="•"/>
             </a:pPr>
             <a:r>
-              <a:rPr lang="fr-FR" sz="1800" b="0" i="0" u="none" strike="noStrike" dirty="0">
+              <a:rPr lang="fr-FR" sz="2000" b="0" i="0" u="none" strike="noStrike" dirty="0">
                 <a:effectLst/>
               </a:rPr>
               <a:t>Absence de corruption</a:t>
@@ -5581,7 +5304,7 @@
               <a:buChar char="•"/>
             </a:pPr>
             <a:r>
-              <a:rPr lang="fr-FR" sz="1800" b="0" i="0" u="none" strike="noStrike" dirty="0">
+              <a:rPr lang="fr-FR" sz="2000" b="0" i="0" u="none" strike="noStrike" dirty="0">
                 <a:effectLst/>
               </a:rPr>
               <a:t>Qualité de la démocratie</a:t>
@@ -5776,8 +5499,8 @@
         </p:nvSpPr>
         <p:spPr>
           <a:xfrm>
-            <a:off x="1524000" y="1179555"/>
-            <a:ext cx="9144000" cy="659427"/>
+            <a:off x="1097280" y="1179555"/>
+            <a:ext cx="10058400" cy="659427"/>
           </a:xfrm>
           <a:prstGeom prst="rect">
             <a:avLst/>
@@ -5808,7 +5531,7 @@
           </a:lstStyle>
           <a:p>
             <a:r>
-              <a:rPr lang="fr-FR" sz="4000" b="1" dirty="0">
+              <a:rPr lang="fr-FR" sz="4400" b="1" dirty="0">
                 <a:latin typeface="Proxima Nova"/>
               </a:rPr>
               <a:t>PRESENTATION DES VARIABLES</a:t>
@@ -5839,24 +5562,23 @@
           </a:xfrm>
         </p:spPr>
         <p:txBody>
-          <a:bodyPr>
+          <a:bodyPr anchor="ctr">
             <a:noAutofit/>
           </a:bodyPr>
           <a:lstStyle/>
           <a:p>
             <a:pPr lvl="1">
               <a:lnSpc>
-                <a:spcPct val="150000"/>
+                <a:spcPct val="100000"/>
               </a:lnSpc>
               <a:buFont typeface="Arial" panose="020B0604020202020204" pitchFamily="34" charset="0"/>
               <a:buChar char="•"/>
             </a:pPr>
             <a:r>
-              <a:rPr lang="fr-FR" sz="1600" dirty="0">
+              <a:rPr lang="fr-FR" sz="2000" dirty="0">
                 <a:solidFill>
                   <a:schemeClr val="tx1"/>
                 </a:solidFill>
-                <a:latin typeface="Proxima Nova"/>
               </a:rPr>
               <a:t>EQI normalisé : EQI compris entre 0 et 100</a:t>
             </a:r>
@@ -5864,17 +5586,16 @@
           <a:p>
             <a:pPr lvl="1">
               <a:lnSpc>
-                <a:spcPct val="150000"/>
+                <a:spcPct val="100000"/>
               </a:lnSpc>
               <a:buFont typeface="Arial" panose="020B0604020202020204" pitchFamily="34" charset="0"/>
               <a:buChar char="•"/>
             </a:pPr>
             <a:r>
-              <a:rPr lang="fr-FR" sz="1600" dirty="0">
+              <a:rPr lang="fr-FR" sz="2000" dirty="0">
                 <a:solidFill>
                   <a:schemeClr val="tx1"/>
                 </a:solidFill>
-                <a:latin typeface="Proxima Nova"/>
               </a:rPr>
               <a:t>Région : régions européennes</a:t>
             </a:r>
@@ -5882,17 +5603,16 @@
           <a:p>
             <a:pPr lvl="1">
               <a:lnSpc>
-                <a:spcPct val="150000"/>
+                <a:spcPct val="100000"/>
               </a:lnSpc>
               <a:buFont typeface="Arial" panose="020B0604020202020204" pitchFamily="34" charset="0"/>
               <a:buChar char="•"/>
             </a:pPr>
             <a:r>
-              <a:rPr lang="fr-FR" sz="1600" dirty="0">
+              <a:rPr lang="fr-FR" sz="2000" dirty="0">
                 <a:solidFill>
                   <a:schemeClr val="tx1"/>
                 </a:solidFill>
-                <a:latin typeface="Proxima Nova"/>
               </a:rPr>
               <a:t>Année :  2010, 2013 et 2017</a:t>
             </a:r>
@@ -5900,17 +5620,16 @@
           <a:p>
             <a:pPr lvl="1">
               <a:lnSpc>
-                <a:spcPct val="150000"/>
+                <a:spcPct val="100000"/>
               </a:lnSpc>
               <a:buFont typeface="Arial" panose="020B0604020202020204" pitchFamily="34" charset="0"/>
               <a:buChar char="•"/>
             </a:pPr>
             <a:r>
-              <a:rPr lang="fr-FR" sz="1600" dirty="0">
+              <a:rPr lang="fr-FR" sz="2000" dirty="0">
                 <a:solidFill>
                   <a:schemeClr val="tx1"/>
                 </a:solidFill>
-                <a:latin typeface="Proxima Nova"/>
               </a:rPr>
               <a:t>Population : population totale</a:t>
             </a:r>
@@ -5918,17 +5637,16 @@
           <a:p>
             <a:pPr lvl="1">
               <a:lnSpc>
-                <a:spcPct val="150000"/>
+                <a:spcPct val="100000"/>
               </a:lnSpc>
               <a:buFont typeface="Arial" panose="020B0604020202020204" pitchFamily="34" charset="0"/>
               <a:buChar char="•"/>
             </a:pPr>
             <a:r>
-              <a:rPr lang="fr-FR" sz="1600" dirty="0">
+              <a:rPr lang="fr-FR" sz="2000" dirty="0">
                 <a:solidFill>
                   <a:schemeClr val="tx1"/>
                 </a:solidFill>
-                <a:latin typeface="Proxima Nova"/>
               </a:rPr>
               <a:t>Surface : surface de la région (en km²)</a:t>
             </a:r>
@@ -5936,17 +5654,16 @@
           <a:p>
             <a:pPr lvl="1">
               <a:lnSpc>
-                <a:spcPct val="150000"/>
+                <a:spcPct val="100000"/>
               </a:lnSpc>
               <a:buFont typeface="Arial" panose="020B0604020202020204" pitchFamily="34" charset="0"/>
               <a:buChar char="•"/>
             </a:pPr>
             <a:r>
-              <a:rPr lang="fr-FR" sz="1600" dirty="0">
+              <a:rPr lang="fr-FR" sz="2000" dirty="0">
                 <a:solidFill>
                   <a:schemeClr val="tx1"/>
                 </a:solidFill>
-                <a:latin typeface="Proxima Nova"/>
               </a:rPr>
               <a:t>Revenu : revenu par habitants (en € constants)</a:t>
             </a:r>
@@ -5954,17 +5671,16 @@
           <a:p>
             <a:pPr lvl="1">
               <a:lnSpc>
-                <a:spcPct val="150000"/>
+                <a:spcPct val="100000"/>
               </a:lnSpc>
               <a:buFont typeface="Arial" panose="020B0604020202020204" pitchFamily="34" charset="0"/>
               <a:buChar char="•"/>
             </a:pPr>
             <a:r>
-              <a:rPr lang="fr-FR" sz="1600" dirty="0">
+              <a:rPr lang="fr-FR" sz="2000" dirty="0">
                 <a:solidFill>
                   <a:schemeClr val="tx1"/>
                 </a:solidFill>
-                <a:latin typeface="Proxima Nova"/>
               </a:rPr>
               <a:t>Emploi : taux de chômage</a:t>
             </a:r>
@@ -5972,17 +5688,16 @@
           <a:p>
             <a:pPr lvl="1">
               <a:lnSpc>
-                <a:spcPct val="150000"/>
+                <a:spcPct val="100000"/>
               </a:lnSpc>
               <a:buFont typeface="Arial" panose="020B0604020202020204" pitchFamily="34" charset="0"/>
               <a:buChar char="•"/>
             </a:pPr>
             <a:r>
-              <a:rPr lang="fr-FR" sz="1600" dirty="0">
+              <a:rPr lang="fr-FR" sz="2000" dirty="0">
                 <a:solidFill>
                   <a:schemeClr val="tx1"/>
                 </a:solidFill>
-                <a:latin typeface="Proxima Nova"/>
               </a:rPr>
               <a:t>Hôtel : nombre de nuits passées dans des hôtels</a:t>
             </a:r>
@@ -5990,17 +5705,16 @@
           <a:p>
             <a:pPr lvl="1">
               <a:lnSpc>
-                <a:spcPct val="150000"/>
+                <a:spcPct val="100000"/>
               </a:lnSpc>
               <a:buFont typeface="Arial" panose="020B0604020202020204" pitchFamily="34" charset="0"/>
               <a:buChar char="•"/>
             </a:pPr>
             <a:r>
-              <a:rPr lang="fr-FR" sz="1600" dirty="0">
+              <a:rPr lang="fr-FR" sz="2000" dirty="0">
                 <a:solidFill>
                   <a:schemeClr val="tx1"/>
                 </a:solidFill>
-                <a:latin typeface="Proxima Nova"/>
               </a:rPr>
               <a:t>Accident : nombre de victimes d’accidents de la route par millions d’habitants</a:t>
             </a:r>
@@ -6008,28 +5722,19 @@
           <a:p>
             <a:pPr lvl="1">
               <a:lnSpc>
-                <a:spcPct val="150000"/>
+                <a:spcPct val="100000"/>
               </a:lnSpc>
               <a:buFont typeface="Arial" panose="020B0604020202020204" pitchFamily="34" charset="0"/>
               <a:buChar char="•"/>
             </a:pPr>
             <a:r>
-              <a:rPr lang="fr-FR" sz="1600" dirty="0">
+              <a:rPr lang="fr-FR" sz="2000" dirty="0">
                 <a:solidFill>
                   <a:schemeClr val="tx1"/>
                 </a:solidFill>
-                <a:latin typeface="Proxima Nova"/>
               </a:rPr>
               <a:t>Education : jeunes ayant quitté prématurément l'éducation et la formation (en %)</a:t>
             </a:r>
-          </a:p>
-          <a:p>
-            <a:endParaRPr lang="fr-FR" sz="1600" dirty="0">
-              <a:solidFill>
-                <a:schemeClr val="tx1"/>
-              </a:solidFill>
-              <a:latin typeface="Proxima Nova"/>
-            </a:endParaRPr>
           </a:p>
         </p:txBody>
       </p:sp>
@@ -6252,10 +5957,10 @@
           </a:lstStyle>
           <a:p>
             <a:r>
-              <a:rPr lang="fr-FR" sz="4000" b="1" dirty="0">
-                <a:latin typeface="+mn-lt"/>
+              <a:rPr lang="fr-FR" sz="4400" b="1" dirty="0">
+                <a:latin typeface="Proxima Nova"/>
               </a:rPr>
-              <a:t>Description des variables</a:t>
+              <a:t>DESCRIPTION DES VARIABLES</a:t>
             </a:r>
           </a:p>
         </p:txBody>
@@ -6289,7 +5994,7 @@
         </p:blipFill>
         <p:spPr bwMode="auto">
           <a:xfrm>
-            <a:off x="1524000" y="2042799"/>
+            <a:off x="2448025" y="2110540"/>
             <a:ext cx="6599722" cy="4077686"/>
           </a:xfrm>
           <a:prstGeom prst="rect">
@@ -6484,56 +6189,6 @@
           </a:p>
         </p:txBody>
       </p:sp>
-      <p:sp>
-        <p:nvSpPr>
-          <p:cNvPr id="13" name="Titre 1"/>
-          <p:cNvSpPr txBox="1">
-            <a:spLocks/>
-          </p:cNvSpPr>
-          <p:nvPr/>
-        </p:nvSpPr>
-        <p:spPr>
-          <a:xfrm>
-            <a:off x="1524000" y="1179555"/>
-            <a:ext cx="9144000" cy="659427"/>
-          </a:xfrm>
-          <a:prstGeom prst="rect">
-            <a:avLst/>
-          </a:prstGeom>
-        </p:spPr>
-        <p:txBody>
-          <a:bodyPr vert="horz" lIns="91440" tIns="45720" rIns="91440" bIns="45720" rtlCol="0" anchor="b">
-            <a:noAutofit/>
-          </a:bodyPr>
-          <a:lstStyle>
-            <a:lvl1pPr algn="ctr" defTabSz="914400" rtl="0" eaLnBrk="1" latinLnBrk="0" hangingPunct="1">
-              <a:lnSpc>
-                <a:spcPct val="90000"/>
-              </a:lnSpc>
-              <a:spcBef>
-                <a:spcPct val="0"/>
-              </a:spcBef>
-              <a:buNone/>
-              <a:defRPr sz="6000" kern="1200">
-                <a:solidFill>
-                  <a:schemeClr val="tx1"/>
-                </a:solidFill>
-                <a:latin typeface="+mj-lt"/>
-                <a:ea typeface="+mj-ea"/>
-                <a:cs typeface="+mj-cs"/>
-              </a:defRPr>
-            </a:lvl1pPr>
-          </a:lstStyle>
-          <a:p>
-            <a:r>
-              <a:rPr lang="fr-FR" sz="4000" b="1" dirty="0">
-                <a:latin typeface="+mn-lt"/>
-              </a:rPr>
-              <a:t>Description des variables</a:t>
-            </a:r>
-          </a:p>
-        </p:txBody>
-      </p:sp>
       <p:pic>
         <p:nvPicPr>
           <p:cNvPr id="4" name="Picture 2">
@@ -6601,8 +6256,8 @@
         </p:blipFill>
         <p:spPr>
           <a:xfrm>
-            <a:off x="2488346" y="2490983"/>
-            <a:ext cx="4635738" cy="3454578"/>
+            <a:off x="3499693" y="2315117"/>
+            <a:ext cx="5192613" cy="3869564"/>
           </a:xfrm>
           <a:prstGeom prst="rect">
             <a:avLst/>
@@ -6685,6 +6340,128 @@
               <a:rPr lang="fr-FR" dirty="0"/>
               <a:t>23/02/2023</a:t>
             </a:r>
+          </a:p>
+        </p:txBody>
+      </p:sp>
+      <p:sp>
+        <p:nvSpPr>
+          <p:cNvPr id="2" name="Titre 1">
+            <a:extLst>
+              <a:ext uri="{FF2B5EF4-FFF2-40B4-BE49-F238E27FC236}">
+                <a16:creationId xmlns:a16="http://schemas.microsoft.com/office/drawing/2014/main" id="{EC28BF76-4A8D-5699-76CB-83E8E7E0E973}"/>
+              </a:ext>
+            </a:extLst>
+          </p:cNvPr>
+          <p:cNvSpPr txBox="1">
+            <a:spLocks/>
+          </p:cNvSpPr>
+          <p:nvPr/>
+        </p:nvSpPr>
+        <p:spPr>
+          <a:xfrm>
+            <a:off x="1524000" y="1179555"/>
+            <a:ext cx="9144000" cy="659427"/>
+          </a:xfrm>
+          <a:prstGeom prst="rect">
+            <a:avLst/>
+          </a:prstGeom>
+        </p:spPr>
+        <p:txBody>
+          <a:bodyPr vert="horz" lIns="91440" tIns="45720" rIns="91440" bIns="45720" rtlCol="0" anchor="b">
+            <a:noAutofit/>
+          </a:bodyPr>
+          <a:lstStyle>
+            <a:lvl1pPr algn="ctr" defTabSz="914400" rtl="0" eaLnBrk="1" latinLnBrk="0" hangingPunct="1">
+              <a:lnSpc>
+                <a:spcPct val="90000"/>
+              </a:lnSpc>
+              <a:spcBef>
+                <a:spcPct val="0"/>
+              </a:spcBef>
+              <a:buNone/>
+              <a:defRPr sz="6000" kern="1200">
+                <a:solidFill>
+                  <a:schemeClr val="tx1"/>
+                </a:solidFill>
+                <a:latin typeface="+mj-lt"/>
+                <a:ea typeface="+mj-ea"/>
+                <a:cs typeface="+mj-cs"/>
+              </a:defRPr>
+            </a:lvl1pPr>
+          </a:lstStyle>
+          <a:p>
+            <a:r>
+              <a:rPr lang="fr-FR" sz="4400" b="1" dirty="0">
+                <a:latin typeface="Proxima Nova"/>
+              </a:rPr>
+              <a:t>DESCRIPTION DES VARIABLES</a:t>
+            </a:r>
+          </a:p>
+        </p:txBody>
+      </p:sp>
+      <p:sp>
+        <p:nvSpPr>
+          <p:cNvPr id="8" name="ZoneTexte 7">
+            <a:extLst>
+              <a:ext uri="{FF2B5EF4-FFF2-40B4-BE49-F238E27FC236}">
+                <a16:creationId xmlns:a16="http://schemas.microsoft.com/office/drawing/2014/main" id="{81373CE9-BA3D-9E9E-6EC1-8F29FCBD07DC}"/>
+              </a:ext>
+            </a:extLst>
+          </p:cNvPr>
+          <p:cNvSpPr txBox="1"/>
+          <p:nvPr/>
+        </p:nvSpPr>
+        <p:spPr>
+          <a:xfrm>
+            <a:off x="3064827" y="2011694"/>
+            <a:ext cx="6097604" cy="1200329"/>
+          </a:xfrm>
+          <a:prstGeom prst="rect">
+            <a:avLst/>
+          </a:prstGeom>
+          <a:noFill/>
+        </p:spPr>
+        <p:txBody>
+          <a:bodyPr wrap="square">
+            <a:spAutoFit/>
+          </a:bodyPr>
+          <a:lstStyle/>
+          <a:p>
+            <a:pPr algn="ctr" rtl="0">
+              <a:spcBef>
+                <a:spcPts val="0"/>
+              </a:spcBef>
+              <a:spcAft>
+                <a:spcPts val="0"/>
+              </a:spcAft>
+            </a:pPr>
+            <a:r>
+              <a:rPr lang="fr-FR" sz="2400" b="0" i="0" u="none" strike="noStrike" dirty="0" err="1">
+                <a:solidFill>
+                  <a:srgbClr val="000000"/>
+                </a:solidFill>
+                <a:effectLst/>
+              </a:rPr>
+              <a:t>Boxplots</a:t>
+            </a:r>
+            <a:r>
+              <a:rPr lang="fr-FR" sz="2400" b="0" i="0" u="none" strike="noStrike" dirty="0">
+                <a:solidFill>
+                  <a:srgbClr val="000000"/>
+                </a:solidFill>
+                <a:effectLst/>
+              </a:rPr>
+              <a:t> des EQI normalisés par années</a:t>
+            </a:r>
+            <a:endParaRPr lang="fr-FR" sz="2400" b="0" dirty="0">
+              <a:effectLst/>
+            </a:endParaRPr>
+          </a:p>
+          <a:p>
+            <a:br>
+              <a:rPr lang="fr-FR" sz="2400" dirty="0"/>
+            </a:br>
+            <a:endParaRPr lang="fr-FR" sz="2400" dirty="0"/>
           </a:p>
         </p:txBody>
       </p:sp>
@@ -6809,7 +6586,7 @@
         </p:nvSpPr>
         <p:spPr>
           <a:xfrm>
-            <a:off x="1097280" y="2254252"/>
+            <a:off x="1366787" y="2767000"/>
             <a:ext cx="2588905" cy="2764767"/>
           </a:xfrm>
         </p:spPr>
@@ -6831,7 +6608,7 @@
             </a:r>
             <a:r>
               <a:rPr lang="fr-FR" dirty="0"/>
-              <a:t> » qui est trop corrélée</a:t>
+              <a:t> » qui est trop corrélée avec la variable population</a:t>
             </a:r>
           </a:p>
         </p:txBody>
@@ -7047,13 +6824,13 @@
         </p:nvSpPr>
         <p:spPr>
           <a:xfrm>
-            <a:off x="838200" y="2432410"/>
-            <a:ext cx="10515600" cy="2537987"/>
+            <a:off x="838200" y="2201459"/>
+            <a:ext cx="10515600" cy="3400539"/>
           </a:xfrm>
         </p:spPr>
         <p:txBody>
           <a:bodyPr>
-            <a:normAutofit/>
+            <a:noAutofit/>
           </a:bodyPr>
           <a:lstStyle/>
           <a:p>
@@ -7063,8 +6840,15 @@
               <a:buChar char="•"/>
             </a:pPr>
             <a:r>
-              <a:rPr lang="fr-FR" sz="2800" dirty="0"/>
-              <a:t> PAS DE DISPARITES DANS LE TEMPS AU SEIN DES REGIONS</a:t>
+              <a:rPr lang="fr-FR" sz="2800" dirty="0">
+                <a:solidFill>
+                  <a:schemeClr val="tx1">
+                    <a:lumMod val="85000"/>
+                    <a:lumOff val="15000"/>
+                  </a:schemeClr>
+                </a:solidFill>
+              </a:rPr>
+              <a:t> Peu de disparités dans le temps au sein des régions</a:t>
             </a:r>
           </a:p>
           <a:p>
@@ -7074,8 +6858,15 @@
               <a:buChar char="•"/>
             </a:pPr>
             <a:r>
-              <a:rPr lang="fr-FR" sz="2800" dirty="0"/>
-              <a:t> FORTES DISPARITES ENTRE LES REGIONS</a:t>
+              <a:rPr lang="fr-FR" sz="2800" dirty="0">
+                <a:solidFill>
+                  <a:schemeClr val="tx1">
+                    <a:lumMod val="85000"/>
+                    <a:lumOff val="15000"/>
+                  </a:schemeClr>
+                </a:solidFill>
+              </a:rPr>
+              <a:t> Fortes disparités entre les régions</a:t>
             </a:r>
           </a:p>
           <a:p>
@@ -7084,13 +6875,92 @@
               <a:buFont typeface="Arial" panose="020B0604020202020204" pitchFamily="34" charset="0"/>
               <a:buChar char="•"/>
             </a:pPr>
-            <a:endParaRPr lang="fr-FR" sz="2800" dirty="0"/>
+            <a:endParaRPr lang="fr-FR" sz="2800" dirty="0">
+              <a:solidFill>
+                <a:schemeClr val="tx1">
+                  <a:lumMod val="85000"/>
+                  <a:lumOff val="15000"/>
+                </a:schemeClr>
+              </a:solidFill>
+            </a:endParaRPr>
+          </a:p>
+          <a:p>
+            <a:pPr>
+              <a:buClrTx/>
+              <a:buFont typeface="Arial" panose="020B0604020202020204" pitchFamily="34" charset="0"/>
+              <a:buChar char="•"/>
+            </a:pPr>
+            <a:r>
+              <a:rPr lang="fr-FR" sz="2800" dirty="0">
+                <a:solidFill>
+                  <a:schemeClr val="tx1">
+                    <a:lumMod val="85000"/>
+                    <a:lumOff val="15000"/>
+                  </a:schemeClr>
+                </a:solidFill>
+              </a:rPr>
+              <a:t> En 2017, une région avec des caractéristiques similaires à celles de 2013 aura un EQI normalisé inferieur de 8 points</a:t>
+            </a:r>
+          </a:p>
+          <a:p>
+            <a:pPr>
+              <a:buClrTx/>
+              <a:buFont typeface="Arial" panose="020B0604020202020204" pitchFamily="34" charset="0"/>
+              <a:buChar char="•"/>
+            </a:pPr>
+            <a:r>
+              <a:rPr lang="fr-FR" sz="2800" dirty="0">
+                <a:solidFill>
+                  <a:schemeClr val="tx1">
+                    <a:lumMod val="85000"/>
+                    <a:lumOff val="15000"/>
+                  </a:schemeClr>
+                </a:solidFill>
+              </a:rPr>
+              <a:t> En 2017, une région avec des caractéristiques similaires à celles de 2010 aura un EQI normalise inferieur de 18 points</a:t>
+            </a:r>
+          </a:p>
+          <a:p>
+            <a:pPr>
+              <a:buClrTx/>
+              <a:buFont typeface="Arial" panose="020B0604020202020204" pitchFamily="34" charset="0"/>
+              <a:buChar char="•"/>
+            </a:pPr>
+            <a:endParaRPr lang="fr-FR" sz="2800" dirty="0">
+              <a:solidFill>
+                <a:schemeClr val="tx1">
+                  <a:lumMod val="85000"/>
+                  <a:lumOff val="15000"/>
+                </a:schemeClr>
+              </a:solidFill>
+            </a:endParaRPr>
+          </a:p>
+          <a:p>
+            <a:pPr marL="0" indent="0">
+              <a:buClrTx/>
+              <a:buNone/>
+            </a:pPr>
+            <a:endParaRPr lang="fr-FR" sz="2800" dirty="0">
+              <a:solidFill>
+                <a:schemeClr val="tx1">
+                  <a:lumMod val="85000"/>
+                  <a:lumOff val="15000"/>
+                </a:schemeClr>
+              </a:solidFill>
+            </a:endParaRPr>
           </a:p>
           <a:p>
             <a:pPr marL="0" indent="0">
               <a:buNone/>
             </a:pPr>
-            <a:endParaRPr lang="fr-FR" dirty="0"/>
+            <a:endParaRPr lang="fr-FR" sz="2800" dirty="0">
+              <a:solidFill>
+                <a:schemeClr val="tx1">
+                  <a:lumMod val="85000"/>
+                  <a:lumOff val="15000"/>
+                </a:schemeClr>
+              </a:solidFill>
+            </a:endParaRPr>
           </a:p>
         </p:txBody>
       </p:sp>
@@ -7349,10 +7219,8 @@
               <a:buChar char="•"/>
             </a:pPr>
             <a:r>
-              <a:rPr lang="fr-FR" sz="2800" dirty="0">
-                <a:latin typeface="Proxima Nova"/>
-              </a:rPr>
-              <a:t> En 2017, une région avec des caractéristiques similaires à celles de 2013 aura un EQI normalisé inferieur de 8 points</a:t>
+              <a:rPr lang="fr-FR" sz="2800" dirty="0"/>
+              <a:t> Une hausse de la population d’un million d'habitants va entrainer une baisse de l'EQI normalisé de 0.41 point.</a:t>
             </a:r>
           </a:p>
           <a:p>
@@ -7362,10 +7230,19 @@
               <a:buChar char="•"/>
             </a:pPr>
             <a:r>
-              <a:rPr lang="fr-FR" sz="2800" dirty="0">
-                <a:latin typeface="Proxima Nova"/>
-              </a:rPr>
-              <a:t> En 2017, une région avec des caractéristiques similaires à celles de 2010 aura un EQI normalise inferieur de 18 points</a:t>
+              <a:rPr lang="fr-FR" sz="2800" dirty="0"/>
+              <a:t> Une hausse des revenus des menages de 1000 € va entrainer une hausse de l'EQI normalisé de 1.36 point.</a:t>
+            </a:r>
+          </a:p>
+          <a:p>
+            <a:pPr>
+              <a:buClrTx/>
+              <a:buFont typeface="Arial" panose="020B0604020202020204" pitchFamily="34" charset="0"/>
+              <a:buChar char="•"/>
+            </a:pPr>
+            <a:r>
+              <a:rPr lang="fr-FR" sz="2800" dirty="0"/>
+              <a:t> Une hausse du taux d'emploi des 15-34 ans de 1 point de pourcentage va entrainer une hausse de l'EQI normalisé de 0.87 point.</a:t>
             </a:r>
           </a:p>
         </p:txBody>
@@ -7490,10 +7367,10 @@
       </p:pic>
       <p:sp>
         <p:nvSpPr>
-          <p:cNvPr id="10" name="Espace réservé du pied de page 4">
+          <p:cNvPr id="2" name="Espace réservé du pied de page 4">
             <a:extLst>
               <a:ext uri="{FF2B5EF4-FFF2-40B4-BE49-F238E27FC236}">
-                <a16:creationId xmlns:a16="http://schemas.microsoft.com/office/drawing/2014/main" id="{E9986ADF-46D7-D452-CEC0-A01413530572}"/>
+                <a16:creationId xmlns:a16="http://schemas.microsoft.com/office/drawing/2014/main" id="{9D71827C-6B4F-777A-49BC-F783C81A0610}"/>
               </a:ext>
             </a:extLst>
           </p:cNvPr>
@@ -7536,10 +7413,10 @@
       </p:sp>
       <p:sp>
         <p:nvSpPr>
-          <p:cNvPr id="11" name="Espace réservé de la date 3">
+          <p:cNvPr id="9" name="Espace réservé de la date 3">
             <a:extLst>
               <a:ext uri="{FF2B5EF4-FFF2-40B4-BE49-F238E27FC236}">
-                <a16:creationId xmlns:a16="http://schemas.microsoft.com/office/drawing/2014/main" id="{8E59D627-074B-1113-ED36-B959F5DDB6E3}"/>
+                <a16:creationId xmlns:a16="http://schemas.microsoft.com/office/drawing/2014/main" id="{0506D0DB-6778-57B3-0AEE-0FF7D1B517CC}"/>
               </a:ext>
             </a:extLst>
           </p:cNvPr>
@@ -7570,7 +7447,7 @@
     </p:spTree>
     <p:extLst>
       <p:ext uri="{BB962C8B-B14F-4D97-AF65-F5344CB8AC3E}">
-        <p14:creationId xmlns:p14="http://schemas.microsoft.com/office/powerpoint/2010/main" val="67245644"/>
+        <p14:creationId xmlns:p14="http://schemas.microsoft.com/office/powerpoint/2010/main" val="316602582"/>
       </p:ext>
     </p:extLst>
   </p:cSld>
